--- a/ppt/PythonMath05-MatPlotLib.pptx
+++ b/ppt/PythonMath05-MatPlotLib.pptx
@@ -5,10 +5,10 @@
     <p:sldMasterId id="2147483653" r:id="rId1"/>
   </p:sldMasterIdLst>
   <p:notesMasterIdLst>
-    <p:notesMasterId r:id="rId15"/>
+    <p:notesMasterId r:id="rId16"/>
   </p:notesMasterIdLst>
   <p:handoutMasterIdLst>
-    <p:handoutMasterId r:id="rId16"/>
+    <p:handoutMasterId r:id="rId17"/>
   </p:handoutMasterIdLst>
   <p:sldIdLst>
     <p:sldId id="264" r:id="rId2"/>
@@ -24,6 +24,7 @@
     <p:sldId id="275" r:id="rId12"/>
     <p:sldId id="276" r:id="rId13"/>
     <p:sldId id="270" r:id="rId14"/>
+    <p:sldId id="277" r:id="rId15"/>
   </p:sldIdLst>
   <p:sldSz cx="9144000" cy="6858000" type="screen4x3"/>
   <p:notesSz cx="6648450" cy="9782175"/>
@@ -3701,11 +3702,7 @@
             <a:pPr eaLnBrk="1" hangingPunct="1"/>
             <a:r>
               <a:rPr lang="fr-FR" altLang="fr-FR" smtClean="0"/>
-              <a:t>Chapitre </a:t>
-            </a:r>
-            <a:r>
-              <a:rPr lang="fr-FR" altLang="fr-FR" smtClean="0"/>
-              <a:t>5</a:t>
+              <a:t>Chapitre 5</a:t>
             </a:r>
             <a:endParaRPr lang="fr-FR" altLang="fr-FR" dirty="0" smtClean="0"/>
           </a:p>
@@ -4342,6 +4339,122 @@
       </p:par>
     </p:tnLst>
   </p:timing>
+</p:sld>
+</file>
+
+<file path=ppt/slides/slide14.xml><?xml version="1.0" encoding="utf-8"?>
+<p:sld xmlns:a="http://schemas.openxmlformats.org/drawingml/2006/main" xmlns:r="http://schemas.openxmlformats.org/officeDocument/2006/relationships" xmlns:p="http://schemas.openxmlformats.org/presentationml/2006/main">
+  <p:cSld>
+    <p:spTree>
+      <p:nvGrpSpPr>
+        <p:cNvPr id="1" name=""/>
+        <p:cNvGrpSpPr/>
+        <p:nvPr/>
+      </p:nvGrpSpPr>
+      <p:grpSpPr>
+        <a:xfrm>
+          <a:off x="0" y="0"/>
+          <a:ext cx="0" cy="0"/>
+          <a:chOff x="0" y="0"/>
+          <a:chExt cx="0" cy="0"/>
+        </a:xfrm>
+      </p:grpSpPr>
+      <p:sp>
+        <p:nvSpPr>
+          <p:cNvPr id="2" name="Titre 1"/>
+          <p:cNvSpPr>
+            <a:spLocks noGrp="1"/>
+          </p:cNvSpPr>
+          <p:nvPr>
+            <p:ph type="title"/>
+          </p:nvPr>
+        </p:nvSpPr>
+        <p:spPr/>
+        <p:txBody>
+          <a:bodyPr/>
+          <a:lstStyle/>
+          <a:p>
+            <a:r>
+              <a:rPr lang="fr-FR" dirty="0" err="1" smtClean="0"/>
+              <a:t>Jupyter</a:t>
+            </a:r>
+            <a:endParaRPr lang="fr-FR" dirty="0"/>
+          </a:p>
+        </p:txBody>
+      </p:sp>
+      <p:sp>
+        <p:nvSpPr>
+          <p:cNvPr id="3" name="Espace réservé du contenu 2"/>
+          <p:cNvSpPr>
+            <a:spLocks noGrp="1"/>
+          </p:cNvSpPr>
+          <p:nvPr>
+            <p:ph idx="1"/>
+          </p:nvPr>
+        </p:nvSpPr>
+        <p:spPr/>
+        <p:txBody>
+          <a:bodyPr/>
+          <a:lstStyle/>
+          <a:p>
+            <a:r>
+              <a:rPr lang="fr-FR" dirty="0" smtClean="0"/>
+              <a:t>Successeur de </a:t>
+            </a:r>
+            <a:r>
+              <a:rPr lang="fr-FR" dirty="0" err="1" smtClean="0"/>
+              <a:t>IPython</a:t>
+            </a:r>
+            <a:endParaRPr lang="fr-FR" dirty="0" smtClean="0"/>
+          </a:p>
+          <a:p>
+            <a:r>
+              <a:rPr lang="fr-FR" dirty="0" smtClean="0"/>
+              <a:t>Python en ligne</a:t>
+            </a:r>
+          </a:p>
+          <a:p>
+            <a:r>
+              <a:rPr lang="fr-FR" dirty="0" smtClean="0"/>
+              <a:t>Pour afficher un diagramme </a:t>
+            </a:r>
+            <a:r>
+              <a:rPr lang="fr-FR" dirty="0" err="1" smtClean="0"/>
+              <a:t>Matplotlib</a:t>
+            </a:r>
+            <a:r>
+              <a:rPr lang="fr-FR" dirty="0" smtClean="0"/>
+              <a:t> utiliser</a:t>
+            </a:r>
+          </a:p>
+          <a:p>
+            <a:pPr lvl="1"/>
+            <a:r>
+              <a:rPr lang="fr-FR" dirty="0" smtClean="0"/>
+              <a:t>%</a:t>
+            </a:r>
+            <a:r>
+              <a:rPr lang="fr-FR" dirty="0" err="1" smtClean="0"/>
+              <a:t>matplotlib</a:t>
+            </a:r>
+            <a:r>
+              <a:rPr lang="fr-FR" dirty="0" smtClean="0"/>
+              <a:t> notebook</a:t>
+            </a:r>
+            <a:endParaRPr lang="fr-FR" dirty="0"/>
+          </a:p>
+        </p:txBody>
+      </p:sp>
+    </p:spTree>
+    <p:extLst>
+      <p:ext uri="{BB962C8B-B14F-4D97-AF65-F5344CB8AC3E}">
+        <p14:creationId xmlns:p14="http://schemas.microsoft.com/office/powerpoint/2010/main" val="472338793"/>
+      </p:ext>
+    </p:extLst>
+  </p:cSld>
+  <p:clrMapOvr>
+    <a:masterClrMapping/>
+  </p:clrMapOvr>
 </p:sld>
 </file>
 

--- a/ppt/PythonMath05-MatPlotLib.pptx
+++ b/ppt/PythonMath05-MatPlotLib.pptx
@@ -5,10 +5,10 @@
     <p:sldMasterId id="2147483653" r:id="rId1"/>
   </p:sldMasterIdLst>
   <p:notesMasterIdLst>
-    <p:notesMasterId r:id="rId16"/>
+    <p:notesMasterId r:id="rId19"/>
   </p:notesMasterIdLst>
   <p:handoutMasterIdLst>
-    <p:handoutMasterId r:id="rId17"/>
+    <p:handoutMasterId r:id="rId20"/>
   </p:handoutMasterIdLst>
   <p:sldIdLst>
     <p:sldId id="264" r:id="rId2"/>
@@ -25,6 +25,9 @@
     <p:sldId id="276" r:id="rId13"/>
     <p:sldId id="270" r:id="rId14"/>
     <p:sldId id="277" r:id="rId15"/>
+    <p:sldId id="278" r:id="rId16"/>
+    <p:sldId id="279" r:id="rId17"/>
+    <p:sldId id="280" r:id="rId18"/>
   </p:sldIdLst>
   <p:sldSz cx="9144000" cy="6858000" type="screen4x3"/>
   <p:notesSz cx="6648450" cy="9782175"/>
@@ -4449,6 +4452,336 @@
     <p:extLst>
       <p:ext uri="{BB962C8B-B14F-4D97-AF65-F5344CB8AC3E}">
         <p14:creationId xmlns:p14="http://schemas.microsoft.com/office/powerpoint/2010/main" val="472338793"/>
+      </p:ext>
+    </p:extLst>
+  </p:cSld>
+  <p:clrMapOvr>
+    <a:masterClrMapping/>
+  </p:clrMapOvr>
+</p:sld>
+</file>
+
+<file path=ppt/slides/slide15.xml><?xml version="1.0" encoding="utf-8"?>
+<p:sld xmlns:a="http://schemas.openxmlformats.org/drawingml/2006/main" xmlns:r="http://schemas.openxmlformats.org/officeDocument/2006/relationships" xmlns:p="http://schemas.openxmlformats.org/presentationml/2006/main">
+  <p:cSld>
+    <p:spTree>
+      <p:nvGrpSpPr>
+        <p:cNvPr id="1" name=""/>
+        <p:cNvGrpSpPr/>
+        <p:nvPr/>
+      </p:nvGrpSpPr>
+      <p:grpSpPr>
+        <a:xfrm>
+          <a:off x="0" y="0"/>
+          <a:ext cx="0" cy="0"/>
+          <a:chOff x="0" y="0"/>
+          <a:chExt cx="0" cy="0"/>
+        </a:xfrm>
+      </p:grpSpPr>
+      <p:sp>
+        <p:nvSpPr>
+          <p:cNvPr id="2" name="Titre 1"/>
+          <p:cNvSpPr>
+            <a:spLocks noGrp="1"/>
+          </p:cNvSpPr>
+          <p:nvPr>
+            <p:ph type="title"/>
+          </p:nvPr>
+        </p:nvSpPr>
+        <p:spPr/>
+        <p:txBody>
+          <a:bodyPr/>
+          <a:lstStyle/>
+          <a:p>
+            <a:r>
+              <a:rPr lang="fr-FR" dirty="0" err="1" smtClean="0"/>
+              <a:t>Jupyter</a:t>
+            </a:r>
+            <a:endParaRPr lang="fr-FR" dirty="0"/>
+          </a:p>
+        </p:txBody>
+      </p:sp>
+      <p:sp>
+        <p:nvSpPr>
+          <p:cNvPr id="3" name="Espace réservé du contenu 2"/>
+          <p:cNvSpPr>
+            <a:spLocks noGrp="1"/>
+          </p:cNvSpPr>
+          <p:nvPr>
+            <p:ph idx="1"/>
+          </p:nvPr>
+        </p:nvSpPr>
+        <p:spPr/>
+        <p:txBody>
+          <a:bodyPr/>
+          <a:lstStyle/>
+          <a:p>
+            <a:endParaRPr lang="fr-FR"/>
+          </a:p>
+        </p:txBody>
+      </p:sp>
+      <p:pic>
+        <p:nvPicPr>
+          <p:cNvPr id="1026" name="Picture 2" descr="Jupyter Notebook"/>
+          <p:cNvPicPr>
+            <a:picLocks noChangeAspect="1" noChangeArrowheads="1"/>
+          </p:cNvPicPr>
+          <p:nvPr/>
+        </p:nvPicPr>
+        <p:blipFill>
+          <a:blip r:embed="rId2">
+            <a:extLst>
+              <a:ext uri="{28A0092B-C50C-407E-A947-70E740481C1C}">
+                <a14:useLocalDpi xmlns:a14="http://schemas.microsoft.com/office/drawing/2010/main" val="0"/>
+              </a:ext>
+            </a:extLst>
+          </a:blip>
+          <a:srcRect/>
+          <a:stretch>
+            <a:fillRect/>
+          </a:stretch>
+        </p:blipFill>
+        <p:spPr bwMode="auto">
+          <a:xfrm>
+            <a:off x="1043607" y="980728"/>
+            <a:ext cx="7726927" cy="5472608"/>
+          </a:xfrm>
+          <a:prstGeom prst="rect">
+            <a:avLst/>
+          </a:prstGeom>
+          <a:noFill/>
+          <a:extLst>
+            <a:ext uri="{909E8E84-426E-40DD-AFC4-6F175D3DCCD1}">
+              <a14:hiddenFill xmlns:a14="http://schemas.microsoft.com/office/drawing/2010/main">
+                <a:solidFill>
+                  <a:srgbClr val="FFFFFF"/>
+                </a:solidFill>
+              </a14:hiddenFill>
+            </a:ext>
+          </a:extLst>
+        </p:spPr>
+      </p:pic>
+    </p:spTree>
+    <p:extLst>
+      <p:ext uri="{BB962C8B-B14F-4D97-AF65-F5344CB8AC3E}">
+        <p14:creationId xmlns:p14="http://schemas.microsoft.com/office/powerpoint/2010/main" val="2913435300"/>
+      </p:ext>
+    </p:extLst>
+  </p:cSld>
+  <p:clrMapOvr>
+    <a:masterClrMapping/>
+  </p:clrMapOvr>
+</p:sld>
+</file>
+
+<file path=ppt/slides/slide16.xml><?xml version="1.0" encoding="utf-8"?>
+<p:sld xmlns:a="http://schemas.openxmlformats.org/drawingml/2006/main" xmlns:r="http://schemas.openxmlformats.org/officeDocument/2006/relationships" xmlns:p="http://schemas.openxmlformats.org/presentationml/2006/main">
+  <p:cSld>
+    <p:spTree>
+      <p:nvGrpSpPr>
+        <p:cNvPr id="1" name=""/>
+        <p:cNvGrpSpPr/>
+        <p:nvPr/>
+      </p:nvGrpSpPr>
+      <p:grpSpPr>
+        <a:xfrm>
+          <a:off x="0" y="0"/>
+          <a:ext cx="0" cy="0"/>
+          <a:chOff x="0" y="0"/>
+          <a:chExt cx="0" cy="0"/>
+        </a:xfrm>
+      </p:grpSpPr>
+      <p:sp>
+        <p:nvSpPr>
+          <p:cNvPr id="2" name="Titre 1"/>
+          <p:cNvSpPr>
+            <a:spLocks noGrp="1"/>
+          </p:cNvSpPr>
+          <p:nvPr>
+            <p:ph type="title"/>
+          </p:nvPr>
+        </p:nvSpPr>
+        <p:spPr/>
+        <p:txBody>
+          <a:bodyPr/>
+          <a:lstStyle/>
+          <a:p>
+            <a:r>
+              <a:rPr lang="fr-FR" dirty="0" smtClean="0"/>
+              <a:t>Intégration </a:t>
+            </a:r>
+            <a:r>
+              <a:rPr lang="fr-FR" dirty="0" err="1" smtClean="0"/>
+              <a:t>matplotlib</a:t>
+            </a:r>
+            <a:endParaRPr lang="fr-FR" dirty="0"/>
+          </a:p>
+        </p:txBody>
+      </p:sp>
+      <p:sp>
+        <p:nvSpPr>
+          <p:cNvPr id="3" name="Espace réservé du contenu 2"/>
+          <p:cNvSpPr>
+            <a:spLocks noGrp="1"/>
+          </p:cNvSpPr>
+          <p:nvPr>
+            <p:ph idx="1"/>
+          </p:nvPr>
+        </p:nvSpPr>
+        <p:spPr/>
+        <p:txBody>
+          <a:bodyPr/>
+          <a:lstStyle/>
+          <a:p>
+            <a:endParaRPr lang="fr-FR"/>
+          </a:p>
+        </p:txBody>
+      </p:sp>
+      <p:pic>
+        <p:nvPicPr>
+          <p:cNvPr id="2050" name="Picture 2" descr="https://miro.medium.com/max/1339/1*IQTYIAc7kqjKBfGJ7au1iA.png"/>
+          <p:cNvPicPr>
+            <a:picLocks noChangeAspect="1" noChangeArrowheads="1"/>
+          </p:cNvPicPr>
+          <p:nvPr/>
+        </p:nvPicPr>
+        <p:blipFill>
+          <a:blip r:embed="rId2">
+            <a:extLst>
+              <a:ext uri="{28A0092B-C50C-407E-A947-70E740481C1C}">
+                <a14:useLocalDpi xmlns:a14="http://schemas.microsoft.com/office/drawing/2010/main" val="0"/>
+              </a:ext>
+            </a:extLst>
+          </a:blip>
+          <a:srcRect/>
+          <a:stretch>
+            <a:fillRect/>
+          </a:stretch>
+        </p:blipFill>
+        <p:spPr bwMode="auto">
+          <a:xfrm>
+            <a:off x="242057" y="1225192"/>
+            <a:ext cx="8640960" cy="5228144"/>
+          </a:xfrm>
+          <a:prstGeom prst="rect">
+            <a:avLst/>
+          </a:prstGeom>
+          <a:noFill/>
+          <a:extLst>
+            <a:ext uri="{909E8E84-426E-40DD-AFC4-6F175D3DCCD1}">
+              <a14:hiddenFill xmlns:a14="http://schemas.microsoft.com/office/drawing/2010/main">
+                <a:solidFill>
+                  <a:srgbClr val="FFFFFF"/>
+                </a:solidFill>
+              </a14:hiddenFill>
+            </a:ext>
+          </a:extLst>
+        </p:spPr>
+      </p:pic>
+    </p:spTree>
+    <p:extLst>
+      <p:ext uri="{BB962C8B-B14F-4D97-AF65-F5344CB8AC3E}">
+        <p14:creationId xmlns:p14="http://schemas.microsoft.com/office/powerpoint/2010/main" val="1974593372"/>
+      </p:ext>
+    </p:extLst>
+  </p:cSld>
+  <p:clrMapOvr>
+    <a:masterClrMapping/>
+  </p:clrMapOvr>
+</p:sld>
+</file>
+
+<file path=ppt/slides/slide17.xml><?xml version="1.0" encoding="utf-8"?>
+<p:sld xmlns:a="http://schemas.openxmlformats.org/drawingml/2006/main" xmlns:r="http://schemas.openxmlformats.org/officeDocument/2006/relationships" xmlns:p="http://schemas.openxmlformats.org/presentationml/2006/main">
+  <p:cSld>
+    <p:spTree>
+      <p:nvGrpSpPr>
+        <p:cNvPr id="1" name=""/>
+        <p:cNvGrpSpPr/>
+        <p:nvPr/>
+      </p:nvGrpSpPr>
+      <p:grpSpPr>
+        <a:xfrm>
+          <a:off x="0" y="0"/>
+          <a:ext cx="0" cy="0"/>
+          <a:chOff x="0" y="0"/>
+          <a:chExt cx="0" cy="0"/>
+        </a:xfrm>
+      </p:grpSpPr>
+      <p:sp>
+        <p:nvSpPr>
+          <p:cNvPr id="2" name="Titre 1"/>
+          <p:cNvSpPr>
+            <a:spLocks noGrp="1"/>
+          </p:cNvSpPr>
+          <p:nvPr>
+            <p:ph type="title"/>
+          </p:nvPr>
+        </p:nvSpPr>
+        <p:spPr/>
+        <p:txBody>
+          <a:bodyPr/>
+          <a:lstStyle/>
+          <a:p>
+            <a:r>
+              <a:rPr lang="fr-FR" dirty="0" smtClean="0"/>
+              <a:t>Google </a:t>
+            </a:r>
+            <a:r>
+              <a:rPr lang="fr-FR" dirty="0" err="1" smtClean="0"/>
+              <a:t>Colab</a:t>
+            </a:r>
+            <a:endParaRPr lang="fr-FR" dirty="0"/>
+          </a:p>
+        </p:txBody>
+      </p:sp>
+      <p:sp>
+        <p:nvSpPr>
+          <p:cNvPr id="3" name="Espace réservé du contenu 2"/>
+          <p:cNvSpPr>
+            <a:spLocks noGrp="1"/>
+          </p:cNvSpPr>
+          <p:nvPr>
+            <p:ph idx="1"/>
+          </p:nvPr>
+        </p:nvSpPr>
+        <p:spPr/>
+        <p:txBody>
+          <a:bodyPr/>
+          <a:lstStyle/>
+          <a:p>
+            <a:endParaRPr lang="fr-FR"/>
+          </a:p>
+        </p:txBody>
+      </p:sp>
+      <p:pic>
+        <p:nvPicPr>
+          <p:cNvPr id="4" name="Image 3"/>
+          <p:cNvPicPr>
+            <a:picLocks noChangeAspect="1"/>
+          </p:cNvPicPr>
+          <p:nvPr/>
+        </p:nvPicPr>
+        <p:blipFill>
+          <a:blip r:embed="rId2"/>
+          <a:stretch>
+            <a:fillRect/>
+          </a:stretch>
+        </p:blipFill>
+        <p:spPr>
+          <a:xfrm>
+            <a:off x="2228850" y="1462087"/>
+            <a:ext cx="4686300" cy="3933825"/>
+          </a:xfrm>
+          <a:prstGeom prst="rect">
+            <a:avLst/>
+          </a:prstGeom>
+        </p:spPr>
+      </p:pic>
+    </p:spTree>
+    <p:extLst>
+      <p:ext uri="{BB962C8B-B14F-4D97-AF65-F5344CB8AC3E}">
+        <p14:creationId xmlns:p14="http://schemas.microsoft.com/office/powerpoint/2010/main" val="3401744482"/>
       </p:ext>
     </p:extLst>
   </p:cSld>

--- a/ppt/PythonMath05-MatPlotLib.pptx
+++ b/ppt/PythonMath05-MatPlotLib.pptx
@@ -5,10 +5,10 @@
     <p:sldMasterId id="2147483653" r:id="rId1"/>
   </p:sldMasterIdLst>
   <p:notesMasterIdLst>
-    <p:notesMasterId r:id="rId19"/>
+    <p:notesMasterId r:id="rId18"/>
   </p:notesMasterIdLst>
   <p:handoutMasterIdLst>
-    <p:handoutMasterId r:id="rId20"/>
+    <p:handoutMasterId r:id="rId19"/>
   </p:handoutMasterIdLst>
   <p:sldIdLst>
     <p:sldId id="264" r:id="rId2"/>
@@ -26,8 +26,7 @@
     <p:sldId id="270" r:id="rId14"/>
     <p:sldId id="277" r:id="rId15"/>
     <p:sldId id="278" r:id="rId16"/>
-    <p:sldId id="279" r:id="rId17"/>
-    <p:sldId id="280" r:id="rId18"/>
+    <p:sldId id="280" r:id="rId17"/>
   </p:sldIdLst>
   <p:sldSz cx="9144000" cy="6858000" type="screen4x3"/>
   <p:notesSz cx="6648450" cy="9782175"/>
@@ -620,35 +619,35 @@
           <a:p>
             <a:pPr lvl="0"/>
             <a:r>
-              <a:rPr lang="fr-FR" noProof="0" smtClean="0"/>
+              <a:rPr lang="fr-FR" noProof="0"/>
               <a:t>Cliquez pour modifier les styles du texte du masque</a:t>
             </a:r>
           </a:p>
           <a:p>
             <a:pPr lvl="1"/>
             <a:r>
-              <a:rPr lang="fr-FR" noProof="0" smtClean="0"/>
+              <a:rPr lang="fr-FR" noProof="0"/>
               <a:t>Deuxième niveau</a:t>
             </a:r>
           </a:p>
           <a:p>
             <a:pPr lvl="2"/>
             <a:r>
-              <a:rPr lang="fr-FR" noProof="0" smtClean="0"/>
+              <a:rPr lang="fr-FR" noProof="0"/>
               <a:t>Troisième niveau</a:t>
             </a:r>
           </a:p>
           <a:p>
             <a:pPr lvl="3"/>
             <a:r>
-              <a:rPr lang="fr-FR" noProof="0" smtClean="0"/>
+              <a:rPr lang="fr-FR" noProof="0"/>
               <a:t>Quatrième niveau</a:t>
             </a:r>
           </a:p>
           <a:p>
             <a:pPr lvl="4"/>
             <a:r>
-              <a:rPr lang="fr-FR" noProof="0" smtClean="0"/>
+              <a:rPr lang="fr-FR" noProof="0"/>
               <a:t>Cinquième niveau</a:t>
             </a:r>
           </a:p>
@@ -936,10 +935,9 @@
           <a:lstStyle/>
           <a:p>
             <a:r>
-              <a:rPr lang="fr-FR" smtClean="0"/>
+              <a:rPr lang="fr-FR"/>
               <a:t>Cliquez pour modifier le style du titre</a:t>
             </a:r>
-            <a:endParaRPr lang="fr-FR"/>
           </a:p>
         </p:txBody>
       </p:sp>
@@ -1001,10 +999,9 @@
           </a:lstStyle>
           <a:p>
             <a:r>
-              <a:rPr lang="fr-FR" smtClean="0"/>
+              <a:rPr lang="fr-FR"/>
               <a:t>Cliquez pour modifier le style des sous-titres du masque</a:t>
             </a:r>
-            <a:endParaRPr lang="fr-FR"/>
           </a:p>
         </p:txBody>
       </p:sp>
@@ -1059,10 +1056,9 @@
           <a:lstStyle/>
           <a:p>
             <a:r>
-              <a:rPr lang="fr-FR" smtClean="0"/>
+              <a:rPr lang="fr-FR"/>
               <a:t>Cliquez pour modifier le style du titre</a:t>
             </a:r>
-            <a:endParaRPr lang="fr-FR"/>
           </a:p>
         </p:txBody>
       </p:sp>
@@ -1088,38 +1084,37 @@
           <a:p>
             <a:pPr lvl="0"/>
             <a:r>
-              <a:rPr lang="fr-FR" smtClean="0"/>
+              <a:rPr lang="fr-FR"/>
               <a:t>Cliquez pour modifier les styles du texte du masque</a:t>
             </a:r>
           </a:p>
           <a:p>
             <a:pPr lvl="1"/>
             <a:r>
-              <a:rPr lang="fr-FR" smtClean="0"/>
+              <a:rPr lang="fr-FR"/>
               <a:t>Deuxième niveau</a:t>
             </a:r>
           </a:p>
           <a:p>
             <a:pPr lvl="2"/>
             <a:r>
-              <a:rPr lang="fr-FR" smtClean="0"/>
+              <a:rPr lang="fr-FR"/>
               <a:t>Troisième niveau</a:t>
             </a:r>
           </a:p>
           <a:p>
             <a:pPr lvl="3"/>
             <a:r>
-              <a:rPr lang="fr-FR" smtClean="0"/>
+              <a:rPr lang="fr-FR"/>
               <a:t>Quatrième niveau</a:t>
             </a:r>
           </a:p>
           <a:p>
             <a:pPr lvl="4"/>
             <a:r>
-              <a:rPr lang="fr-FR" smtClean="0"/>
+              <a:rPr lang="fr-FR"/>
               <a:t>Cinquième niveau</a:t>
             </a:r>
-            <a:endParaRPr lang="fr-FR"/>
           </a:p>
         </p:txBody>
       </p:sp>
@@ -1178,10 +1173,9 @@
           </a:lstStyle>
           <a:p>
             <a:r>
-              <a:rPr lang="fr-FR" dirty="0" smtClean="0"/>
+              <a:rPr lang="fr-FR" dirty="0"/>
               <a:t>Cliquez pour modifier le style du titre</a:t>
             </a:r>
-            <a:endParaRPr lang="fr-FR" dirty="0"/>
           </a:p>
         </p:txBody>
       </p:sp>
@@ -1207,38 +1201,37 @@
           <a:p>
             <a:pPr lvl="0"/>
             <a:r>
-              <a:rPr lang="fr-FR" dirty="0" smtClean="0"/>
+              <a:rPr lang="fr-FR" dirty="0"/>
               <a:t>Cliquez pour modifier les styles du texte du masque</a:t>
             </a:r>
           </a:p>
           <a:p>
             <a:pPr lvl="1"/>
             <a:r>
-              <a:rPr lang="fr-FR" dirty="0" smtClean="0"/>
+              <a:rPr lang="fr-FR" dirty="0"/>
               <a:t>Deuxième niveau</a:t>
             </a:r>
           </a:p>
           <a:p>
             <a:pPr lvl="2"/>
             <a:r>
-              <a:rPr lang="fr-FR" dirty="0" smtClean="0"/>
+              <a:rPr lang="fr-FR" dirty="0"/>
               <a:t>Troisième niveau</a:t>
             </a:r>
           </a:p>
           <a:p>
             <a:pPr lvl="3"/>
             <a:r>
-              <a:rPr lang="fr-FR" dirty="0" smtClean="0"/>
+              <a:rPr lang="fr-FR" dirty="0"/>
               <a:t>Quatrième niveau</a:t>
             </a:r>
           </a:p>
           <a:p>
             <a:pPr lvl="4"/>
             <a:r>
-              <a:rPr lang="fr-FR" dirty="0" smtClean="0"/>
+              <a:rPr lang="fr-FR" dirty="0"/>
               <a:t>Cinquième niveau</a:t>
             </a:r>
-            <a:endParaRPr lang="fr-FR" dirty="0"/>
           </a:p>
         </p:txBody>
       </p:sp>
@@ -1288,10 +1281,9 @@
           <a:lstStyle/>
           <a:p>
             <a:r>
-              <a:rPr lang="fr-FR" smtClean="0"/>
+              <a:rPr lang="fr-FR"/>
               <a:t>Cliquez pour modifier le style du titre</a:t>
             </a:r>
-            <a:endParaRPr lang="fr-FR"/>
           </a:p>
         </p:txBody>
       </p:sp>
@@ -1345,38 +1337,37 @@
           <a:p>
             <a:pPr lvl="0"/>
             <a:r>
-              <a:rPr lang="fr-FR" smtClean="0"/>
+              <a:rPr lang="fr-FR"/>
               <a:t>Cliquez pour modifier les styles du texte du masque</a:t>
             </a:r>
           </a:p>
           <a:p>
             <a:pPr lvl="1"/>
             <a:r>
-              <a:rPr lang="fr-FR" smtClean="0"/>
+              <a:rPr lang="fr-FR"/>
               <a:t>Deuxième niveau</a:t>
             </a:r>
           </a:p>
           <a:p>
             <a:pPr lvl="2"/>
             <a:r>
-              <a:rPr lang="fr-FR" smtClean="0"/>
+              <a:rPr lang="fr-FR"/>
               <a:t>Troisième niveau</a:t>
             </a:r>
           </a:p>
           <a:p>
             <a:pPr lvl="3"/>
             <a:r>
-              <a:rPr lang="fr-FR" smtClean="0"/>
+              <a:rPr lang="fr-FR"/>
               <a:t>Quatrième niveau</a:t>
             </a:r>
           </a:p>
           <a:p>
             <a:pPr lvl="4"/>
             <a:r>
-              <a:rPr lang="fr-FR" smtClean="0"/>
+              <a:rPr lang="fr-FR"/>
               <a:t>Cinquième niveau</a:t>
             </a:r>
-            <a:endParaRPr lang="fr-FR"/>
           </a:p>
         </p:txBody>
       </p:sp>
@@ -1430,38 +1421,37 @@
           <a:p>
             <a:pPr lvl="0"/>
             <a:r>
-              <a:rPr lang="fr-FR" smtClean="0"/>
+              <a:rPr lang="fr-FR"/>
               <a:t>Cliquez pour modifier les styles du texte du masque</a:t>
             </a:r>
           </a:p>
           <a:p>
             <a:pPr lvl="1"/>
             <a:r>
-              <a:rPr lang="fr-FR" smtClean="0"/>
+              <a:rPr lang="fr-FR"/>
               <a:t>Deuxième niveau</a:t>
             </a:r>
           </a:p>
           <a:p>
             <a:pPr lvl="2"/>
             <a:r>
-              <a:rPr lang="fr-FR" smtClean="0"/>
+              <a:rPr lang="fr-FR"/>
               <a:t>Troisième niveau</a:t>
             </a:r>
           </a:p>
           <a:p>
             <a:pPr lvl="3"/>
             <a:r>
-              <a:rPr lang="fr-FR" smtClean="0"/>
+              <a:rPr lang="fr-FR"/>
               <a:t>Quatrième niveau</a:t>
             </a:r>
           </a:p>
           <a:p>
             <a:pPr lvl="4"/>
             <a:r>
-              <a:rPr lang="fr-FR" smtClean="0"/>
+              <a:rPr lang="fr-FR"/>
               <a:t>Cinquième niveau</a:t>
             </a:r>
-            <a:endParaRPr lang="fr-FR"/>
           </a:p>
         </p:txBody>
       </p:sp>
@@ -1520,10 +1510,9 @@
           </a:lstStyle>
           <a:p>
             <a:r>
-              <a:rPr lang="fr-FR" smtClean="0"/>
+              <a:rPr lang="fr-FR"/>
               <a:t>Cliquez pour modifier le style du titre</a:t>
             </a:r>
-            <a:endParaRPr lang="fr-FR"/>
           </a:p>
         </p:txBody>
       </p:sp>
@@ -1586,7 +1575,7 @@
           <a:p>
             <a:pPr lvl="0"/>
             <a:r>
-              <a:rPr lang="fr-FR" smtClean="0"/>
+              <a:rPr lang="fr-FR"/>
               <a:t>Cliquez pour modifier les styles du texte du masque</a:t>
             </a:r>
           </a:p>
@@ -1642,38 +1631,37 @@
           <a:p>
             <a:pPr lvl="0"/>
             <a:r>
-              <a:rPr lang="fr-FR" smtClean="0"/>
+              <a:rPr lang="fr-FR"/>
               <a:t>Cliquez pour modifier les styles du texte du masque</a:t>
             </a:r>
           </a:p>
           <a:p>
             <a:pPr lvl="1"/>
             <a:r>
-              <a:rPr lang="fr-FR" smtClean="0"/>
+              <a:rPr lang="fr-FR"/>
               <a:t>Deuxième niveau</a:t>
             </a:r>
           </a:p>
           <a:p>
             <a:pPr lvl="2"/>
             <a:r>
-              <a:rPr lang="fr-FR" smtClean="0"/>
+              <a:rPr lang="fr-FR"/>
               <a:t>Troisième niveau</a:t>
             </a:r>
           </a:p>
           <a:p>
             <a:pPr lvl="3"/>
             <a:r>
-              <a:rPr lang="fr-FR" smtClean="0"/>
+              <a:rPr lang="fr-FR"/>
               <a:t>Quatrième niveau</a:t>
             </a:r>
           </a:p>
           <a:p>
             <a:pPr lvl="4"/>
             <a:r>
-              <a:rPr lang="fr-FR" smtClean="0"/>
+              <a:rPr lang="fr-FR"/>
               <a:t>Cinquième niveau</a:t>
             </a:r>
-            <a:endParaRPr lang="fr-FR"/>
           </a:p>
         </p:txBody>
       </p:sp>
@@ -1736,7 +1724,7 @@
           <a:p>
             <a:pPr lvl="0"/>
             <a:r>
-              <a:rPr lang="fr-FR" smtClean="0"/>
+              <a:rPr lang="fr-FR"/>
               <a:t>Cliquez pour modifier les styles du texte du masque</a:t>
             </a:r>
           </a:p>
@@ -1792,38 +1780,37 @@
           <a:p>
             <a:pPr lvl="0"/>
             <a:r>
-              <a:rPr lang="fr-FR" smtClean="0"/>
+              <a:rPr lang="fr-FR"/>
               <a:t>Cliquez pour modifier les styles du texte du masque</a:t>
             </a:r>
           </a:p>
           <a:p>
             <a:pPr lvl="1"/>
             <a:r>
-              <a:rPr lang="fr-FR" smtClean="0"/>
+              <a:rPr lang="fr-FR"/>
               <a:t>Deuxième niveau</a:t>
             </a:r>
           </a:p>
           <a:p>
             <a:pPr lvl="2"/>
             <a:r>
-              <a:rPr lang="fr-FR" smtClean="0"/>
+              <a:rPr lang="fr-FR"/>
               <a:t>Troisième niveau</a:t>
             </a:r>
           </a:p>
           <a:p>
             <a:pPr lvl="3"/>
             <a:r>
-              <a:rPr lang="fr-FR" smtClean="0"/>
+              <a:rPr lang="fr-FR"/>
               <a:t>Quatrième niveau</a:t>
             </a:r>
           </a:p>
           <a:p>
             <a:pPr lvl="4"/>
             <a:r>
-              <a:rPr lang="fr-FR" smtClean="0"/>
+              <a:rPr lang="fr-FR"/>
               <a:t>Cinquième niveau</a:t>
             </a:r>
-            <a:endParaRPr lang="fr-FR"/>
           </a:p>
         </p:txBody>
       </p:sp>
@@ -1873,10 +1860,9 @@
           <a:lstStyle/>
           <a:p>
             <a:r>
-              <a:rPr lang="fr-FR" smtClean="0"/>
+              <a:rPr lang="fr-FR"/>
               <a:t>Cliquez pour modifier le style du titre</a:t>
             </a:r>
-            <a:endParaRPr lang="fr-FR"/>
           </a:p>
         </p:txBody>
       </p:sp>
@@ -1965,10 +1951,9 @@
           </a:lstStyle>
           <a:p>
             <a:r>
-              <a:rPr lang="fr-FR" smtClean="0"/>
+              <a:rPr lang="fr-FR"/>
               <a:t>Cliquez pour modifier le style du titre</a:t>
             </a:r>
-            <a:endParaRPr lang="fr-FR"/>
           </a:p>
         </p:txBody>
       </p:sp>
@@ -2022,38 +2007,37 @@
           <a:p>
             <a:pPr lvl="0"/>
             <a:r>
-              <a:rPr lang="fr-FR" smtClean="0"/>
+              <a:rPr lang="fr-FR"/>
               <a:t>Cliquez pour modifier les styles du texte du masque</a:t>
             </a:r>
           </a:p>
           <a:p>
             <a:pPr lvl="1"/>
             <a:r>
-              <a:rPr lang="fr-FR" smtClean="0"/>
+              <a:rPr lang="fr-FR"/>
               <a:t>Deuxième niveau</a:t>
             </a:r>
           </a:p>
           <a:p>
             <a:pPr lvl="2"/>
             <a:r>
-              <a:rPr lang="fr-FR" smtClean="0"/>
+              <a:rPr lang="fr-FR"/>
               <a:t>Troisième niveau</a:t>
             </a:r>
           </a:p>
           <a:p>
             <a:pPr lvl="3"/>
             <a:r>
-              <a:rPr lang="fr-FR" smtClean="0"/>
+              <a:rPr lang="fr-FR"/>
               <a:t>Quatrième niveau</a:t>
             </a:r>
           </a:p>
           <a:p>
             <a:pPr lvl="4"/>
             <a:r>
-              <a:rPr lang="fr-FR" smtClean="0"/>
+              <a:rPr lang="fr-FR"/>
               <a:t>Cinquième niveau</a:t>
             </a:r>
-            <a:endParaRPr lang="fr-FR"/>
           </a:p>
         </p:txBody>
       </p:sp>
@@ -2116,7 +2100,7 @@
           <a:p>
             <a:pPr lvl="0"/>
             <a:r>
-              <a:rPr lang="fr-FR" smtClean="0"/>
+              <a:rPr lang="fr-FR"/>
               <a:t>Cliquez pour modifier les styles du texte du masque</a:t>
             </a:r>
           </a:p>
@@ -2177,10 +2161,9 @@
           </a:lstStyle>
           <a:p>
             <a:r>
-              <a:rPr lang="fr-FR" smtClean="0"/>
+              <a:rPr lang="fr-FR"/>
               <a:t>Cliquez pour modifier le style du titre</a:t>
             </a:r>
-            <a:endParaRPr lang="fr-FR"/>
           </a:p>
         </p:txBody>
       </p:sp>
@@ -2242,7 +2225,7 @@
           </a:lstStyle>
           <a:p>
             <a:pPr lvl="0"/>
-            <a:endParaRPr lang="fr-FR" noProof="0" smtClean="0"/>
+            <a:endParaRPr lang="fr-FR" noProof="0"/>
           </a:p>
         </p:txBody>
       </p:sp>
@@ -2305,7 +2288,7 @@
           <a:p>
             <a:pPr lvl="0"/>
             <a:r>
-              <a:rPr lang="fr-FR" smtClean="0"/>
+              <a:rPr lang="fr-FR"/>
               <a:t>Cliquez pour modifier les styles du texte du masque</a:t>
             </a:r>
           </a:p>
@@ -2357,10 +2340,9 @@
           <a:lstStyle/>
           <a:p>
             <a:r>
-              <a:rPr lang="fr-FR" smtClean="0"/>
+              <a:rPr lang="fr-FR"/>
               <a:t>Cliquez pour modifier le style du titre</a:t>
             </a:r>
-            <a:endParaRPr lang="fr-FR"/>
           </a:p>
         </p:txBody>
       </p:sp>
@@ -2381,38 +2363,37 @@
           <a:p>
             <a:pPr lvl="0"/>
             <a:r>
-              <a:rPr lang="fr-FR" smtClean="0"/>
+              <a:rPr lang="fr-FR"/>
               <a:t>Cliquez pour modifier les styles du texte du masque</a:t>
             </a:r>
           </a:p>
           <a:p>
             <a:pPr lvl="1"/>
             <a:r>
-              <a:rPr lang="fr-FR" smtClean="0"/>
+              <a:rPr lang="fr-FR"/>
               <a:t>Deuxième niveau</a:t>
             </a:r>
           </a:p>
           <a:p>
             <a:pPr lvl="2"/>
             <a:r>
-              <a:rPr lang="fr-FR" smtClean="0"/>
+              <a:rPr lang="fr-FR"/>
               <a:t>Troisième niveau</a:t>
             </a:r>
           </a:p>
           <a:p>
             <a:pPr lvl="3"/>
             <a:r>
-              <a:rPr lang="fr-FR" smtClean="0"/>
+              <a:rPr lang="fr-FR"/>
               <a:t>Quatrième niveau</a:t>
             </a:r>
           </a:p>
           <a:p>
             <a:pPr lvl="4"/>
             <a:r>
-              <a:rPr lang="fr-FR" smtClean="0"/>
+              <a:rPr lang="fr-FR"/>
               <a:t>Cinquième niveau</a:t>
             </a:r>
-            <a:endParaRPr lang="fr-FR"/>
           </a:p>
         </p:txBody>
       </p:sp>
@@ -2593,7 +2574,7 @@
             <a:pPr eaLnBrk="1" hangingPunct="1">
               <a:defRPr/>
             </a:pPr>
-            <a:endParaRPr lang="fr-FR" altLang="fr-FR" smtClean="0"/>
+            <a:endParaRPr lang="fr-FR" altLang="fr-FR"/>
           </a:p>
         </p:txBody>
       </p:sp>
@@ -2747,7 +2728,7 @@
               <a:defRPr/>
             </a:pPr>
             <a:r>
-              <a:rPr lang="fr-FR" sz="1200" dirty="0" smtClean="0"/>
+              <a:rPr lang="fr-FR" sz="1200" dirty="0"/>
               <a:t>Page </a:t>
             </a:r>
             <a:fld id="{E218E9B1-FD08-4C80-902E-210BA2967D0D}" type="slidenum">
@@ -2760,7 +2741,7 @@
               </a:pPr>
               <a:t>‹N°›</a:t>
             </a:fld>
-            <a:endParaRPr lang="fr-FR" dirty="0" smtClean="0">
+            <a:endParaRPr lang="fr-FR" dirty="0">
               <a:latin typeface="Times New Roman" pitchFamily="18" charset="0"/>
             </a:endParaRPr>
           </a:p>
@@ -2916,10 +2897,10 @@
               <a:defRPr/>
             </a:pPr>
             <a:r>
-              <a:rPr lang="fr-FR" sz="1600" dirty="0" smtClean="0"/>
+              <a:rPr lang="fr-FR" sz="1600" dirty="0"/>
               <a:t>Python</a:t>
             </a:r>
-            <a:endParaRPr lang="fr-FR" dirty="0" smtClean="0">
+            <a:endParaRPr lang="fr-FR" dirty="0">
               <a:latin typeface="Times New Roman" pitchFamily="18" charset="0"/>
             </a:endParaRPr>
           </a:p>
@@ -2977,7 +2958,7 @@
           <a:p>
             <a:pPr lvl="0"/>
             <a:r>
-              <a:rPr lang="fr-FR" altLang="fr-FR" smtClean="0"/>
+              <a:rPr lang="fr-FR" altLang="fr-FR"/>
               <a:t>Cliquez pour modifier le style du titre du masque</a:t>
             </a:r>
           </a:p>
@@ -3035,35 +3016,35 @@
           <a:p>
             <a:pPr lvl="0"/>
             <a:r>
-              <a:rPr lang="fr-FR" altLang="fr-FR" smtClean="0"/>
+              <a:rPr lang="fr-FR" altLang="fr-FR"/>
               <a:t>Cliquez pour modifier les styles du texte du masque</a:t>
             </a:r>
           </a:p>
           <a:p>
             <a:pPr lvl="1"/>
             <a:r>
-              <a:rPr lang="fr-FR" altLang="fr-FR" smtClean="0"/>
+              <a:rPr lang="fr-FR" altLang="fr-FR"/>
               <a:t>Deuxième niveau</a:t>
             </a:r>
           </a:p>
           <a:p>
             <a:pPr lvl="2"/>
             <a:r>
-              <a:rPr lang="fr-FR" altLang="fr-FR" smtClean="0"/>
+              <a:rPr lang="fr-FR" altLang="fr-FR"/>
               <a:t>Troisième niveau</a:t>
             </a:r>
           </a:p>
           <a:p>
             <a:pPr lvl="3"/>
             <a:r>
-              <a:rPr lang="fr-FR" altLang="fr-FR" smtClean="0"/>
+              <a:rPr lang="fr-FR" altLang="fr-FR"/>
               <a:t>Quatrième niveau</a:t>
             </a:r>
           </a:p>
           <a:p>
             <a:pPr lvl="4"/>
             <a:r>
-              <a:rPr lang="fr-FR" altLang="fr-FR" smtClean="0"/>
+              <a:rPr lang="fr-FR" altLang="fr-FR"/>
               <a:t>Cinquième niveau</a:t>
             </a:r>
           </a:p>
@@ -3219,10 +3200,10 @@
               <a:defRPr/>
             </a:pPr>
             <a:r>
-              <a:rPr lang="fr-FR" sz="1200" smtClean="0"/>
+              <a:rPr lang="fr-FR" sz="1200"/>
               <a:t>© Cyril Vincent Conseil</a:t>
             </a:r>
-            <a:endParaRPr lang="fr-FR" smtClean="0">
+            <a:endParaRPr lang="fr-FR">
               <a:latin typeface="Times New Roman" pitchFamily="18" charset="0"/>
             </a:endParaRPr>
           </a:p>
@@ -3704,18 +3685,18 @@
           <a:p>
             <a:pPr eaLnBrk="1" hangingPunct="1"/>
             <a:r>
-              <a:rPr lang="fr-FR" altLang="fr-FR" smtClean="0"/>
+              <a:rPr lang="fr-FR" altLang="fr-FR"/>
               <a:t>Chapitre 5</a:t>
             </a:r>
-            <a:endParaRPr lang="fr-FR" altLang="fr-FR" dirty="0" smtClean="0"/>
+            <a:endParaRPr lang="fr-FR" altLang="fr-FR" dirty="0"/>
           </a:p>
           <a:p>
             <a:pPr eaLnBrk="1" hangingPunct="1"/>
             <a:r>
-              <a:rPr lang="fr-FR" altLang="fr-FR" dirty="0" err="1" smtClean="0"/>
+              <a:rPr lang="fr-FR" altLang="fr-FR" dirty="0" err="1"/>
               <a:t>MatPlotLib</a:t>
             </a:r>
-            <a:endParaRPr lang="fr-FR" altLang="fr-FR" dirty="0" smtClean="0"/>
+            <a:endParaRPr lang="fr-FR" altLang="fr-FR" dirty="0"/>
           </a:p>
         </p:txBody>
       </p:sp>
@@ -3766,10 +3747,9 @@
           <a:lstStyle/>
           <a:p>
             <a:r>
-              <a:rPr lang="fr-FR" sz="3600" dirty="0" smtClean="0"/>
+              <a:rPr lang="fr-FR" sz="3600" dirty="0"/>
               <a:t>Data Science</a:t>
             </a:r>
-            <a:endParaRPr lang="fr-FR" sz="3600" dirty="0"/>
           </a:p>
         </p:txBody>
       </p:sp>
@@ -3802,13 +3782,6 @@
   <p:clrMapOvr>
     <a:masterClrMapping/>
   </p:clrMapOvr>
-  <p:timing>
-    <p:tnLst>
-      <p:par>
-        <p:cTn id="1" dur="indefinite" restart="never" nodeType="tmRoot"/>
-      </p:par>
-    </p:tnLst>
-  </p:timing>
 </p:sld>
 </file>
 
@@ -3845,7 +3818,7 @@
           <a:lstStyle/>
           <a:p>
             <a:r>
-              <a:rPr lang="fr-FR" dirty="0" err="1" smtClean="0"/>
+              <a:rPr lang="fr-FR" dirty="0" err="1"/>
               <a:t>subplot</a:t>
             </a:r>
             <a:endParaRPr lang="fr-FR" dirty="0"/>
@@ -3946,13 +3919,6 @@
   <p:clrMapOvr>
     <a:masterClrMapping/>
   </p:clrMapOvr>
-  <p:timing>
-    <p:tnLst>
-      <p:par>
-        <p:cTn id="1" dur="indefinite" restart="never" nodeType="tmRoot"/>
-      </p:par>
-    </p:tnLst>
-  </p:timing>
 </p:sld>
 </file>
 
@@ -3989,7 +3955,7 @@
           <a:lstStyle/>
           <a:p>
             <a:r>
-              <a:rPr lang="fr-FR" dirty="0" err="1" smtClean="0"/>
+              <a:rPr lang="fr-FR" dirty="0" err="1"/>
               <a:t>subplot</a:t>
             </a:r>
             <a:endParaRPr lang="fr-FR" dirty="0"/>
@@ -4073,13 +4039,6 @@
   <p:clrMapOvr>
     <a:masterClrMapping/>
   </p:clrMapOvr>
-  <p:timing>
-    <p:tnLst>
-      <p:par>
-        <p:cTn id="1" dur="indefinite" restart="never" nodeType="tmRoot"/>
-      </p:par>
-    </p:tnLst>
-  </p:timing>
 </p:sld>
 </file>
 
@@ -4116,7 +4075,7 @@
           <a:lstStyle/>
           <a:p>
             <a:r>
-              <a:rPr lang="fr-FR" dirty="0" err="1" smtClean="0"/>
+              <a:rPr lang="fr-FR" dirty="0" err="1"/>
               <a:t>subplot</a:t>
             </a:r>
             <a:endParaRPr lang="fr-FR" dirty="0"/>
@@ -4200,13 +4159,6 @@
   <p:clrMapOvr>
     <a:masterClrMapping/>
   </p:clrMapOvr>
-  <p:timing>
-    <p:tnLst>
-      <p:par>
-        <p:cTn id="1" dur="indefinite" restart="never" nodeType="tmRoot"/>
-      </p:par>
-    </p:tnLst>
-  </p:timing>
 </p:sld>
 </file>
 
@@ -4243,10 +4195,9 @@
           <a:lstStyle/>
           <a:p>
             <a:r>
-              <a:rPr lang="fr-FR" dirty="0" smtClean="0"/>
+              <a:rPr lang="fr-FR" dirty="0"/>
               <a:t>show</a:t>
             </a:r>
-            <a:endParaRPr lang="fr-FR" dirty="0"/>
           </a:p>
         </p:txBody>
       </p:sp>
@@ -4266,14 +4217,14 @@
           <a:lstStyle/>
           <a:p>
             <a:r>
-              <a:rPr lang="fr-FR" dirty="0" smtClean="0"/>
+              <a:rPr lang="fr-FR" dirty="0"/>
               <a:t>Il peut y avoir plusieurs commande par </a:t>
             </a:r>
             <a:r>
-              <a:rPr lang="fr-FR" dirty="0" err="1" smtClean="0"/>
+              <a:rPr lang="fr-FR" dirty="0" err="1"/>
               <a:t>pyplot</a:t>
             </a:r>
-            <a:endParaRPr lang="fr-FR" dirty="0" smtClean="0"/>
+            <a:endParaRPr lang="fr-FR" dirty="0"/>
           </a:p>
           <a:p>
             <a:pPr lvl="1"/>
@@ -4308,20 +4259,15 @@
             <a:pPr lvl="1"/>
             <a:r>
               <a:rPr lang="en-US" dirty="0"/>
-              <a:t>legend</a:t>
-            </a:r>
-            <a:r>
-              <a:rPr lang="en-US" dirty="0" smtClean="0"/>
-              <a:t>()</a:t>
+              <a:t>legend()</a:t>
             </a:r>
             <a:endParaRPr lang="fr-FR" dirty="0"/>
           </a:p>
           <a:p>
             <a:r>
-              <a:rPr lang="fr-FR" dirty="0" smtClean="0"/>
+              <a:rPr lang="fr-FR" dirty="0"/>
               <a:t>Show() va calculer le graphique final</a:t>
             </a:r>
-            <a:endParaRPr lang="fr-FR" dirty="0"/>
           </a:p>
         </p:txBody>
       </p:sp>
@@ -4335,13 +4281,6 @@
   <p:clrMapOvr>
     <a:masterClrMapping/>
   </p:clrMapOvr>
-  <p:timing>
-    <p:tnLst>
-      <p:par>
-        <p:cTn id="1" dur="indefinite" restart="never" nodeType="tmRoot"/>
-      </p:par>
-    </p:tnLst>
-  </p:timing>
 </p:sld>
 </file>
 
@@ -4378,7 +4317,7 @@
           <a:lstStyle/>
           <a:p>
             <a:r>
-              <a:rPr lang="fr-FR" dirty="0" err="1" smtClean="0"/>
+              <a:rPr lang="fr-FR" dirty="0" err="1"/>
               <a:t>Jupyter</a:t>
             </a:r>
             <a:endParaRPr lang="fr-FR" dirty="0"/>
@@ -4401,50 +4340,49 @@
           <a:lstStyle/>
           <a:p>
             <a:r>
-              <a:rPr lang="fr-FR" dirty="0" smtClean="0"/>
+              <a:rPr lang="fr-FR" dirty="0"/>
               <a:t>Successeur de </a:t>
             </a:r>
             <a:r>
-              <a:rPr lang="fr-FR" dirty="0" err="1" smtClean="0"/>
+              <a:rPr lang="fr-FR" dirty="0" err="1"/>
               <a:t>IPython</a:t>
             </a:r>
-            <a:endParaRPr lang="fr-FR" dirty="0" smtClean="0"/>
-          </a:p>
-          <a:p>
-            <a:r>
-              <a:rPr lang="fr-FR" dirty="0" smtClean="0"/>
+            <a:endParaRPr lang="fr-FR" dirty="0"/>
+          </a:p>
+          <a:p>
+            <a:r>
+              <a:rPr lang="fr-FR" dirty="0"/>
               <a:t>Python en ligne</a:t>
             </a:r>
           </a:p>
           <a:p>
             <a:r>
-              <a:rPr lang="fr-FR" dirty="0" smtClean="0"/>
+              <a:rPr lang="fr-FR" dirty="0"/>
               <a:t>Pour afficher un diagramme </a:t>
             </a:r>
             <a:r>
-              <a:rPr lang="fr-FR" dirty="0" err="1" smtClean="0"/>
+              <a:rPr lang="fr-FR" dirty="0" err="1"/>
               <a:t>Matplotlib</a:t>
             </a:r>
             <a:r>
-              <a:rPr lang="fr-FR" dirty="0" smtClean="0"/>
+              <a:rPr lang="fr-FR" dirty="0"/>
               <a:t> utiliser</a:t>
             </a:r>
           </a:p>
           <a:p>
             <a:pPr lvl="1"/>
             <a:r>
-              <a:rPr lang="fr-FR" dirty="0" smtClean="0"/>
+              <a:rPr lang="fr-FR" dirty="0"/>
               <a:t>%</a:t>
             </a:r>
             <a:r>
-              <a:rPr lang="fr-FR" dirty="0" err="1" smtClean="0"/>
+              <a:rPr lang="fr-FR" dirty="0" err="1"/>
               <a:t>matplotlib</a:t>
             </a:r>
             <a:r>
-              <a:rPr lang="fr-FR" dirty="0" smtClean="0"/>
+              <a:rPr lang="fr-FR" dirty="0"/>
               <a:t> notebook</a:t>
             </a:r>
-            <a:endParaRPr lang="fr-FR" dirty="0"/>
           </a:p>
         </p:txBody>
       </p:sp>
@@ -4494,7 +4432,7 @@
           <a:lstStyle/>
           <a:p>
             <a:r>
-              <a:rPr lang="fr-FR" dirty="0" err="1" smtClean="0"/>
+              <a:rPr lang="fr-FR" dirty="0" err="1"/>
               <a:t>Jupyter</a:t>
             </a:r>
             <a:endParaRPr lang="fr-FR" dirty="0"/>
@@ -4607,128 +4545,11 @@
           <a:lstStyle/>
           <a:p>
             <a:r>
-              <a:rPr lang="fr-FR" dirty="0" smtClean="0"/>
-              <a:t>Intégration </a:t>
-            </a:r>
-            <a:r>
-              <a:rPr lang="fr-FR" dirty="0" err="1" smtClean="0"/>
-              <a:t>matplotlib</a:t>
-            </a:r>
-            <a:endParaRPr lang="fr-FR" dirty="0"/>
-          </a:p>
-        </p:txBody>
-      </p:sp>
-      <p:sp>
-        <p:nvSpPr>
-          <p:cNvPr id="3" name="Espace réservé du contenu 2"/>
-          <p:cNvSpPr>
-            <a:spLocks noGrp="1"/>
-          </p:cNvSpPr>
-          <p:nvPr>
-            <p:ph idx="1"/>
-          </p:nvPr>
-        </p:nvSpPr>
-        <p:spPr/>
-        <p:txBody>
-          <a:bodyPr/>
-          <a:lstStyle/>
-          <a:p>
-            <a:endParaRPr lang="fr-FR"/>
-          </a:p>
-        </p:txBody>
-      </p:sp>
-      <p:pic>
-        <p:nvPicPr>
-          <p:cNvPr id="2050" name="Picture 2" descr="https://miro.medium.com/max/1339/1*IQTYIAc7kqjKBfGJ7au1iA.png"/>
-          <p:cNvPicPr>
-            <a:picLocks noChangeAspect="1" noChangeArrowheads="1"/>
-          </p:cNvPicPr>
-          <p:nvPr/>
-        </p:nvPicPr>
-        <p:blipFill>
-          <a:blip r:embed="rId2">
-            <a:extLst>
-              <a:ext uri="{28A0092B-C50C-407E-A947-70E740481C1C}">
-                <a14:useLocalDpi xmlns:a14="http://schemas.microsoft.com/office/drawing/2010/main" val="0"/>
-              </a:ext>
-            </a:extLst>
-          </a:blip>
-          <a:srcRect/>
-          <a:stretch>
-            <a:fillRect/>
-          </a:stretch>
-        </p:blipFill>
-        <p:spPr bwMode="auto">
-          <a:xfrm>
-            <a:off x="242057" y="1225192"/>
-            <a:ext cx="8640960" cy="5228144"/>
-          </a:xfrm>
-          <a:prstGeom prst="rect">
-            <a:avLst/>
-          </a:prstGeom>
-          <a:noFill/>
-          <a:extLst>
-            <a:ext uri="{909E8E84-426E-40DD-AFC4-6F175D3DCCD1}">
-              <a14:hiddenFill xmlns:a14="http://schemas.microsoft.com/office/drawing/2010/main">
-                <a:solidFill>
-                  <a:srgbClr val="FFFFFF"/>
-                </a:solidFill>
-              </a14:hiddenFill>
-            </a:ext>
-          </a:extLst>
-        </p:spPr>
-      </p:pic>
-    </p:spTree>
-    <p:extLst>
-      <p:ext uri="{BB962C8B-B14F-4D97-AF65-F5344CB8AC3E}">
-        <p14:creationId xmlns:p14="http://schemas.microsoft.com/office/powerpoint/2010/main" val="1974593372"/>
-      </p:ext>
-    </p:extLst>
-  </p:cSld>
-  <p:clrMapOvr>
-    <a:masterClrMapping/>
-  </p:clrMapOvr>
-</p:sld>
-</file>
-
-<file path=ppt/slides/slide17.xml><?xml version="1.0" encoding="utf-8"?>
-<p:sld xmlns:a="http://schemas.openxmlformats.org/drawingml/2006/main" xmlns:r="http://schemas.openxmlformats.org/officeDocument/2006/relationships" xmlns:p="http://schemas.openxmlformats.org/presentationml/2006/main">
-  <p:cSld>
-    <p:spTree>
-      <p:nvGrpSpPr>
-        <p:cNvPr id="1" name=""/>
-        <p:cNvGrpSpPr/>
-        <p:nvPr/>
-      </p:nvGrpSpPr>
-      <p:grpSpPr>
-        <a:xfrm>
-          <a:off x="0" y="0"/>
-          <a:ext cx="0" cy="0"/>
-          <a:chOff x="0" y="0"/>
-          <a:chExt cx="0" cy="0"/>
-        </a:xfrm>
-      </p:grpSpPr>
-      <p:sp>
-        <p:nvSpPr>
-          <p:cNvPr id="2" name="Titre 1"/>
-          <p:cNvSpPr>
-            <a:spLocks noGrp="1"/>
-          </p:cNvSpPr>
-          <p:nvPr>
-            <p:ph type="title"/>
-          </p:nvPr>
-        </p:nvSpPr>
-        <p:spPr/>
-        <p:txBody>
-          <a:bodyPr/>
-          <a:lstStyle/>
-          <a:p>
-            <a:r>
-              <a:rPr lang="fr-FR" dirty="0" smtClean="0"/>
+              <a:rPr lang="fr-FR" dirty="0"/>
               <a:t>Google </a:t>
             </a:r>
             <a:r>
-              <a:rPr lang="fr-FR" dirty="0" err="1" smtClean="0"/>
+              <a:rPr lang="fr-FR" dirty="0" err="1"/>
               <a:t>Colab</a:t>
             </a:r>
             <a:endParaRPr lang="fr-FR" dirty="0"/>
@@ -4824,7 +4645,7 @@
           <a:lstStyle/>
           <a:p>
             <a:r>
-              <a:rPr lang="fr-FR" dirty="0" err="1" smtClean="0"/>
+              <a:rPr lang="fr-FR" dirty="0" err="1"/>
               <a:t>MatPlotLib</a:t>
             </a:r>
             <a:endParaRPr lang="fr-FR" dirty="0"/>
@@ -4847,66 +4668,66 @@
           <a:lstStyle/>
           <a:p>
             <a:r>
-              <a:rPr lang="fr-FR" dirty="0" smtClean="0"/>
+              <a:rPr lang="fr-FR" dirty="0"/>
               <a:t>Package graphique 2D</a:t>
             </a:r>
           </a:p>
           <a:p>
             <a:r>
-              <a:rPr lang="fr-FR" dirty="0" smtClean="0"/>
+              <a:rPr lang="fr-FR" dirty="0"/>
               <a:t>Module Python</a:t>
             </a:r>
           </a:p>
           <a:p>
             <a:pPr lvl="1"/>
             <a:r>
-              <a:rPr lang="fr-FR" dirty="0" smtClean="0"/>
+              <a:rPr lang="fr-FR" dirty="0"/>
               <a:t>Disponible dans Anaconda</a:t>
             </a:r>
           </a:p>
           <a:p>
             <a:pPr lvl="1"/>
             <a:r>
-              <a:rPr lang="fr-FR" dirty="0" err="1" smtClean="0"/>
+              <a:rPr lang="fr-FR" dirty="0" err="1"/>
               <a:t>Pip</a:t>
             </a:r>
             <a:r>
-              <a:rPr lang="fr-FR" dirty="0" smtClean="0"/>
+              <a:rPr lang="fr-FR" dirty="0"/>
               <a:t> </a:t>
             </a:r>
             <a:r>
-              <a:rPr lang="fr-FR" dirty="0" err="1" smtClean="0"/>
+              <a:rPr lang="fr-FR" dirty="0" err="1"/>
               <a:t>install</a:t>
             </a:r>
             <a:r>
-              <a:rPr lang="fr-FR" dirty="0" smtClean="0"/>
+              <a:rPr lang="fr-FR" dirty="0"/>
               <a:t> </a:t>
             </a:r>
             <a:r>
-              <a:rPr lang="fr-FR" dirty="0" err="1" smtClean="0"/>
+              <a:rPr lang="fr-FR" dirty="0" err="1"/>
               <a:t>matplotlib</a:t>
             </a:r>
-            <a:endParaRPr lang="fr-FR" dirty="0" smtClean="0"/>
+            <a:endParaRPr lang="fr-FR" dirty="0"/>
           </a:p>
           <a:p>
             <a:pPr lvl="1"/>
             <a:r>
-              <a:rPr lang="fr-FR" dirty="0" smtClean="0"/>
+              <a:rPr lang="fr-FR" dirty="0"/>
               <a:t>import </a:t>
             </a:r>
             <a:r>
-              <a:rPr lang="fr-FR" dirty="0" err="1" smtClean="0"/>
+              <a:rPr lang="fr-FR" dirty="0" err="1"/>
               <a:t>matplotlib.pyplot</a:t>
             </a:r>
             <a:r>
-              <a:rPr lang="fr-FR" dirty="0" smtClean="0"/>
+              <a:rPr lang="fr-FR" dirty="0"/>
               <a:t> as </a:t>
             </a:r>
             <a:r>
-              <a:rPr lang="fr-FR" dirty="0" err="1" smtClean="0"/>
+              <a:rPr lang="fr-FR" dirty="0" err="1"/>
               <a:t>plt</a:t>
             </a:r>
-            <a:endParaRPr lang="fr-FR" dirty="0" smtClean="0"/>
+            <a:endParaRPr lang="fr-FR" dirty="0"/>
           </a:p>
         </p:txBody>
       </p:sp>
@@ -4944,13 +4765,6 @@
   <p:clrMapOvr>
     <a:masterClrMapping/>
   </p:clrMapOvr>
-  <p:timing>
-    <p:tnLst>
-      <p:par>
-        <p:cTn id="1" dur="indefinite" restart="never" nodeType="tmRoot"/>
-      </p:par>
-    </p:tnLst>
-  </p:timing>
 </p:sld>
 </file>
 
@@ -5043,13 +4857,6 @@
   <p:clrMapOvr>
     <a:masterClrMapping/>
   </p:clrMapOvr>
-  <p:timing>
-    <p:tnLst>
-      <p:par>
-        <p:cTn id="1" dur="indefinite" restart="never" nodeType="tmRoot"/>
-      </p:par>
-    </p:tnLst>
-  </p:timing>
 </p:sld>
 </file>
 
@@ -5086,10 +4893,9 @@
           <a:lstStyle/>
           <a:p>
             <a:r>
-              <a:rPr lang="fr-FR" dirty="0" smtClean="0"/>
+              <a:rPr lang="fr-FR" dirty="0"/>
               <a:t>plot</a:t>
             </a:r>
-            <a:endParaRPr lang="fr-FR" dirty="0"/>
           </a:p>
         </p:txBody>
       </p:sp>
@@ -5109,15 +4915,15 @@
           <a:lstStyle/>
           <a:p>
             <a:r>
-              <a:rPr lang="fr-FR" dirty="0" smtClean="0"/>
+              <a:rPr lang="fr-FR" dirty="0"/>
               <a:t>plot(</a:t>
             </a:r>
             <a:r>
-              <a:rPr lang="fr-FR" dirty="0" err="1" smtClean="0"/>
+              <a:rPr lang="fr-FR" dirty="0" err="1"/>
               <a:t>x,y</a:t>
             </a:r>
             <a:r>
-              <a:rPr lang="fr-FR" dirty="0" smtClean="0"/>
+              <a:rPr lang="fr-FR" dirty="0"/>
               <a:t>)</a:t>
             </a:r>
           </a:p>
@@ -5125,32 +4931,20 @@
             <a:pPr lvl="1"/>
             <a:r>
               <a:rPr lang="fr-FR" dirty="0"/>
-              <a:t>x</a:t>
-            </a:r>
-            <a:r>
-              <a:rPr lang="fr-FR" dirty="0" smtClean="0"/>
-              <a:t> et y sont les listes à 1 dimension de même longueur</a:t>
+              <a:t>x et y sont les listes à 1 dimension de même longueur</a:t>
             </a:r>
           </a:p>
           <a:p>
             <a:r>
               <a:rPr lang="fr-FR" dirty="0"/>
-              <a:t>p</a:t>
-            </a:r>
-            <a:r>
-              <a:rPr lang="fr-FR" dirty="0" smtClean="0"/>
-              <a:t>lot(y)</a:t>
+              <a:t>plot(y)</a:t>
             </a:r>
           </a:p>
           <a:p>
             <a:pPr lvl="1"/>
             <a:r>
               <a:rPr lang="fr-FR" dirty="0"/>
-              <a:t>x</a:t>
-            </a:r>
-            <a:r>
-              <a:rPr lang="fr-FR" dirty="0" smtClean="0"/>
-              <a:t> sera un range[0,len(y)]</a:t>
+              <a:t>x sera un range[0,len(y)]</a:t>
             </a:r>
           </a:p>
           <a:p>
@@ -5163,39 +4957,38 @@
               <a:t>bo</a:t>
             </a:r>
             <a:r>
-              <a:rPr lang="fr-FR" dirty="0" smtClean="0"/>
+              <a:rPr lang="fr-FR" dirty="0"/>
               <a:t>')</a:t>
             </a:r>
           </a:p>
           <a:p>
             <a:pPr lvl="1"/>
             <a:r>
-              <a:rPr lang="fr-FR" dirty="0" smtClean="0"/>
+              <a:rPr lang="fr-FR" dirty="0"/>
               <a:t>Le troisième paramètre est le style</a:t>
             </a:r>
           </a:p>
           <a:p>
             <a:pPr lvl="1"/>
             <a:r>
-              <a:rPr lang="fr-FR" dirty="0" smtClean="0"/>
+              <a:rPr lang="fr-FR" dirty="0"/>
               <a:t>Le premier caractère est la couleur</a:t>
             </a:r>
           </a:p>
           <a:p>
             <a:pPr lvl="1"/>
             <a:r>
-              <a:rPr lang="fr-FR" dirty="0" smtClean="0"/>
+              <a:rPr lang="fr-FR" dirty="0"/>
               <a:t>Le 2</a:t>
             </a:r>
             <a:r>
-              <a:rPr lang="fr-FR" baseline="30000" dirty="0" smtClean="0"/>
+              <a:rPr lang="fr-FR" baseline="30000" dirty="0"/>
               <a:t>ème</a:t>
             </a:r>
             <a:r>
-              <a:rPr lang="fr-FR" dirty="0" smtClean="0"/>
+              <a:rPr lang="fr-FR" dirty="0"/>
               <a:t> caractère est le style</a:t>
             </a:r>
-            <a:endParaRPr lang="fr-FR" dirty="0"/>
           </a:p>
         </p:txBody>
       </p:sp>
@@ -5233,13 +5026,6 @@
   <p:clrMapOvr>
     <a:masterClrMapping/>
   </p:clrMapOvr>
-  <p:timing>
-    <p:tnLst>
-      <p:par>
-        <p:cTn id="1" dur="indefinite" restart="never" nodeType="tmRoot"/>
-      </p:par>
-    </p:tnLst>
-  </p:timing>
 </p:sld>
 </file>
 
@@ -5276,10 +5062,9 @@
           <a:lstStyle/>
           <a:p>
             <a:r>
-              <a:rPr lang="fr-FR" dirty="0" smtClean="0"/>
+              <a:rPr lang="fr-FR" dirty="0"/>
               <a:t>Styles</a:t>
             </a:r>
-            <a:endParaRPr lang="fr-FR" dirty="0"/>
           </a:p>
         </p:txBody>
       </p:sp>
@@ -5304,7 +5089,7 @@
           <a:lstStyle/>
           <a:p>
             <a:r>
-              <a:rPr lang="fr-FR" dirty="0" smtClean="0"/>
+              <a:rPr lang="fr-FR" dirty="0"/>
               <a:t>Il peut y avoir plusieurs courbes</a:t>
             </a:r>
           </a:p>
@@ -5316,111 +5101,107 @@
             </a:r>
             <a:r>
               <a:rPr lang="es-ES" dirty="0"/>
-              <a:t>(x1, y1, 'g^', x2, y2, 'g-</a:t>
-            </a:r>
-            <a:r>
-              <a:rPr lang="es-ES" dirty="0" smtClean="0"/>
-              <a:t>')</a:t>
+              <a:t>(x1, y1, 'g^', x2, y2, 'g-')</a:t>
             </a:r>
           </a:p>
           <a:p>
             <a:pPr lvl="1"/>
             <a:r>
-              <a:rPr lang="es-ES" dirty="0" err="1" smtClean="0"/>
+              <a:rPr lang="es-ES" dirty="0" err="1"/>
               <a:t>Chaque</a:t>
             </a:r>
             <a:r>
-              <a:rPr lang="es-ES" dirty="0" smtClean="0"/>
+              <a:rPr lang="es-ES" dirty="0"/>
               <a:t> </a:t>
             </a:r>
             <a:r>
-              <a:rPr lang="es-ES" dirty="0" err="1" smtClean="0"/>
+              <a:rPr lang="es-ES" dirty="0" err="1"/>
               <a:t>ligne</a:t>
             </a:r>
             <a:r>
-              <a:rPr lang="es-ES" dirty="0" smtClean="0"/>
+              <a:rPr lang="es-ES" dirty="0"/>
               <a:t> </a:t>
             </a:r>
             <a:r>
-              <a:rPr lang="es-ES" dirty="0" err="1" smtClean="0"/>
+              <a:rPr lang="es-ES" dirty="0" err="1"/>
               <a:t>possède</a:t>
             </a:r>
             <a:r>
-              <a:rPr lang="es-ES" dirty="0" smtClean="0"/>
+              <a:rPr lang="es-ES" dirty="0"/>
               <a:t> par </a:t>
             </a:r>
             <a:r>
-              <a:rPr lang="es-ES" dirty="0" err="1" smtClean="0"/>
+              <a:rPr lang="es-ES" dirty="0" err="1"/>
               <a:t>défaut</a:t>
             </a:r>
             <a:r>
-              <a:rPr lang="es-ES" dirty="0" smtClean="0"/>
+              <a:rPr lang="es-ES" dirty="0"/>
               <a:t> un </a:t>
             </a:r>
             <a:r>
-              <a:rPr lang="es-ES" dirty="0" err="1" smtClean="0"/>
+              <a:rPr lang="es-ES" dirty="0" err="1"/>
               <a:t>style</a:t>
             </a:r>
             <a:r>
-              <a:rPr lang="es-ES" dirty="0" smtClean="0"/>
+              <a:rPr lang="es-ES" dirty="0"/>
               <a:t> de </a:t>
             </a:r>
             <a:r>
-              <a:rPr lang="es-ES" dirty="0" err="1" smtClean="0"/>
+              <a:rPr lang="es-ES" dirty="0" err="1"/>
               <a:t>ligne</a:t>
             </a:r>
             <a:r>
-              <a:rPr lang="es-ES" dirty="0" smtClean="0"/>
+              <a:rPr lang="es-ES" dirty="0"/>
               <a:t> </a:t>
             </a:r>
             <a:r>
-              <a:rPr lang="es-ES" dirty="0" err="1" smtClean="0"/>
+              <a:rPr lang="es-ES" dirty="0" err="1"/>
               <a:t>différent</a:t>
             </a:r>
-            <a:endParaRPr lang="es-ES" dirty="0" smtClean="0"/>
-          </a:p>
-          <a:p>
-            <a:r>
-              <a:rPr lang="es-ES" dirty="0" smtClean="0"/>
+            <a:endParaRPr lang="es-ES" dirty="0"/>
+          </a:p>
+          <a:p>
+            <a:r>
+              <a:rPr lang="es-ES" dirty="0"/>
               <a:t>Le </a:t>
             </a:r>
             <a:r>
-              <a:rPr lang="es-ES" dirty="0" err="1" smtClean="0"/>
+              <a:rPr lang="es-ES" dirty="0" err="1"/>
               <a:t>retour</a:t>
             </a:r>
             <a:r>
-              <a:rPr lang="es-ES" dirty="0" smtClean="0"/>
+              <a:rPr lang="es-ES" dirty="0"/>
               <a:t> de </a:t>
             </a:r>
             <a:r>
-              <a:rPr lang="es-ES" dirty="0" err="1" smtClean="0"/>
+              <a:rPr lang="es-ES" dirty="0" err="1"/>
               <a:t>plot</a:t>
             </a:r>
             <a:r>
-              <a:rPr lang="es-ES" dirty="0" smtClean="0"/>
+              <a:rPr lang="es-ES" dirty="0"/>
               <a:t> </a:t>
             </a:r>
             <a:r>
-              <a:rPr lang="es-ES" dirty="0" err="1" smtClean="0"/>
+              <a:rPr lang="es-ES" dirty="0" err="1"/>
               <a:t>est</a:t>
             </a:r>
             <a:r>
-              <a:rPr lang="es-ES" dirty="0" smtClean="0"/>
+              <a:rPr lang="es-ES" dirty="0"/>
               <a:t> la liste des </a:t>
             </a:r>
             <a:r>
-              <a:rPr lang="es-ES" dirty="0" err="1" smtClean="0"/>
+              <a:rPr lang="es-ES" dirty="0" err="1"/>
               <a:t>lignes</a:t>
             </a:r>
             <a:r>
-              <a:rPr lang="es-ES" dirty="0" smtClean="0"/>
+              <a:rPr lang="es-ES" dirty="0"/>
               <a:t> </a:t>
             </a:r>
             <a:r>
-              <a:rPr lang="es-ES" dirty="0" err="1" smtClean="0"/>
+              <a:rPr lang="es-ES" dirty="0" err="1"/>
               <a:t>calculées</a:t>
             </a:r>
-            <a:endParaRPr lang="es-ES" dirty="0" smtClean="0"/>
+            <a:endParaRPr lang="es-ES" dirty="0"/>
           </a:p>
           <a:p>
             <a:endParaRPr lang="fr-FR" dirty="0"/>
@@ -5461,13 +5242,6 @@
   <p:clrMapOvr>
     <a:masterClrMapping/>
   </p:clrMapOvr>
-  <p:timing>
-    <p:tnLst>
-      <p:par>
-        <p:cTn id="1" dur="indefinite" restart="never" nodeType="tmRoot"/>
-      </p:par>
-    </p:tnLst>
-  </p:timing>
 </p:sld>
 </file>
 
@@ -5504,10 +5278,9 @@
           <a:lstStyle/>
           <a:p>
             <a:r>
-              <a:rPr lang="fr-FR" dirty="0" smtClean="0"/>
+              <a:rPr lang="fr-FR" dirty="0"/>
               <a:t>Paramètres dictionnaires</a:t>
             </a:r>
-            <a:endParaRPr lang="fr-FR" dirty="0"/>
           </a:p>
         </p:txBody>
       </p:sp>
@@ -5527,14 +5300,14 @@
           <a:lstStyle/>
           <a:p>
             <a:r>
-              <a:rPr lang="fr-FR" dirty="0" smtClean="0"/>
+              <a:rPr lang="fr-FR" dirty="0"/>
               <a:t>Il existe de nombreux paramètres **</a:t>
             </a:r>
             <a:r>
-              <a:rPr lang="fr-FR" dirty="0" err="1" smtClean="0"/>
+              <a:rPr lang="fr-FR" dirty="0" err="1"/>
               <a:t>kwargs</a:t>
             </a:r>
-            <a:endParaRPr lang="fr-FR" dirty="0" smtClean="0"/>
+            <a:endParaRPr lang="fr-FR" dirty="0"/>
           </a:p>
           <a:p>
             <a:pPr lvl="1"/>
@@ -5555,11 +5328,7 @@
             </a:r>
             <a:r>
               <a:rPr lang="en-US" dirty="0"/>
-              <a:t>',  label='line 2</a:t>
-            </a:r>
-            <a:r>
-              <a:rPr lang="en-US" dirty="0" smtClean="0"/>
-              <a:t>')</a:t>
+              <a:t>',  label='line 2')</a:t>
             </a:r>
           </a:p>
           <a:p>
@@ -5578,11 +5347,7 @@
             </a:r>
             <a:r>
               <a:rPr lang="es-ES" dirty="0"/>
-              <a:t>=False</a:t>
-            </a:r>
-            <a:r>
-              <a:rPr lang="es-ES" dirty="0" smtClean="0"/>
-              <a:t>)</a:t>
+              <a:t>=False)</a:t>
             </a:r>
           </a:p>
           <a:p>
@@ -5613,14 +5378,10 @@
             </a:r>
             <a:r>
               <a:rPr lang="fr-FR" dirty="0"/>
-              <a:t>', marker='o</a:t>
-            </a:r>
-            <a:r>
-              <a:rPr lang="fr-FR" dirty="0" smtClean="0"/>
-              <a:t>', </a:t>
-            </a:r>
-            <a:r>
-              <a:rPr lang="fr-FR" dirty="0" err="1" smtClean="0"/>
+              <a:t>', marker='o', </a:t>
+            </a:r>
+            <a:r>
+              <a:rPr lang="fr-FR" dirty="0" err="1"/>
               <a:t>markerfacecolor</a:t>
             </a:r>
             <a:r>
@@ -5656,13 +5417,6 @@
   <p:clrMapOvr>
     <a:masterClrMapping/>
   </p:clrMapOvr>
-  <p:timing>
-    <p:tnLst>
-      <p:par>
-        <p:cTn id="1" dur="indefinite" restart="never" nodeType="tmRoot"/>
-      </p:par>
-    </p:tnLst>
-  </p:timing>
 </p:sld>
 </file>
 
@@ -5699,10 +5453,9 @@
           <a:lstStyle/>
           <a:p>
             <a:r>
-              <a:rPr lang="fr-FR" dirty="0" smtClean="0"/>
+              <a:rPr lang="fr-FR" dirty="0"/>
               <a:t>Paramètres dictionnaires</a:t>
             </a:r>
-            <a:endParaRPr lang="fr-FR" dirty="0"/>
           </a:p>
         </p:txBody>
       </p:sp>
@@ -5722,10 +5475,9 @@
           <a:lstStyle/>
           <a:p>
             <a:r>
-              <a:rPr lang="fr-FR" dirty="0" smtClean="0"/>
+              <a:rPr lang="fr-FR" dirty="0"/>
               <a:t>Il existe de nombreux autres paramètres</a:t>
             </a:r>
-            <a:endParaRPr lang="fr-FR" dirty="0"/>
           </a:p>
         </p:txBody>
       </p:sp>
@@ -5763,13 +5515,6 @@
   <p:clrMapOvr>
     <a:masterClrMapping/>
   </p:clrMapOvr>
-  <p:timing>
-    <p:tnLst>
-      <p:par>
-        <p:cTn id="1" dur="indefinite" restart="never" nodeType="tmRoot"/>
-      </p:par>
-    </p:tnLst>
-  </p:timing>
 </p:sld>
 </file>
 
@@ -5806,10 +5551,9 @@
           <a:lstStyle/>
           <a:p>
             <a:r>
-              <a:rPr lang="fr-FR" dirty="0" smtClean="0"/>
+              <a:rPr lang="fr-FR" dirty="0"/>
               <a:t>Paramètres dictionnaires</a:t>
             </a:r>
-            <a:endParaRPr lang="fr-FR" dirty="0"/>
           </a:p>
         </p:txBody>
       </p:sp>
@@ -5829,10 +5573,9 @@
           <a:lstStyle/>
           <a:p>
             <a:r>
-              <a:rPr lang="fr-FR" dirty="0" smtClean="0"/>
+              <a:rPr lang="fr-FR" dirty="0"/>
               <a:t>Il existe de nombreux autres paramètres</a:t>
             </a:r>
-            <a:endParaRPr lang="fr-FR" dirty="0"/>
           </a:p>
         </p:txBody>
       </p:sp>
@@ -5870,13 +5613,6 @@
   <p:clrMapOvr>
     <a:masterClrMapping/>
   </p:clrMapOvr>
-  <p:timing>
-    <p:tnLst>
-      <p:par>
-        <p:cTn id="1" dur="indefinite" restart="never" nodeType="tmRoot"/>
-      </p:par>
-    </p:tnLst>
-  </p:timing>
 </p:sld>
 </file>
 
@@ -5913,7 +5649,7 @@
           <a:lstStyle/>
           <a:p>
             <a:r>
-              <a:rPr lang="fr-FR" dirty="0" err="1" smtClean="0"/>
+              <a:rPr lang="fr-FR" dirty="0" err="1"/>
               <a:t>subplot</a:t>
             </a:r>
             <a:endParaRPr lang="fr-FR" dirty="0"/>
@@ -5936,45 +5672,45 @@
           <a:lstStyle/>
           <a:p>
             <a:r>
-              <a:rPr lang="fr-FR" dirty="0" smtClean="0"/>
+              <a:rPr lang="fr-FR" dirty="0"/>
               <a:t>Permet d’avoir plusieurs graphiques</a:t>
             </a:r>
           </a:p>
           <a:p>
             <a:r>
-              <a:rPr lang="fr-FR" dirty="0" err="1" smtClean="0"/>
+              <a:rPr lang="fr-FR" dirty="0" err="1"/>
               <a:t>Plt.subplot</a:t>
             </a:r>
             <a:r>
-              <a:rPr lang="fr-FR" dirty="0" smtClean="0"/>
+              <a:rPr lang="fr-FR" dirty="0"/>
               <a:t>([</a:t>
             </a:r>
             <a:r>
-              <a:rPr lang="fr-FR" dirty="0" err="1" smtClean="0"/>
+              <a:rPr lang="fr-FR" dirty="0" err="1"/>
               <a:t>nrows</a:t>
             </a:r>
             <a:r>
-              <a:rPr lang="fr-FR" dirty="0" smtClean="0"/>
+              <a:rPr lang="fr-FR" dirty="0"/>
               <a:t>, </a:t>
             </a:r>
             <a:r>
-              <a:rPr lang="fr-FR" dirty="0" err="1" smtClean="0"/>
+              <a:rPr lang="fr-FR" dirty="0" err="1"/>
               <a:t>ncols</a:t>
             </a:r>
             <a:r>
-              <a:rPr lang="fr-FR" smtClean="0"/>
+              <a:rPr lang="fr-FR"/>
               <a:t>, index])</a:t>
             </a:r>
-            <a:endParaRPr lang="fr-FR" dirty="0" smtClean="0"/>
+            <a:endParaRPr lang="fr-FR" dirty="0"/>
           </a:p>
           <a:p>
             <a:pPr lvl="1"/>
             <a:r>
-              <a:rPr lang="fr-FR" dirty="0" err="1" smtClean="0"/>
+              <a:rPr lang="fr-FR" dirty="0" err="1"/>
               <a:t>nrows</a:t>
             </a:r>
             <a:r>
-              <a:rPr lang="fr-FR" dirty="0" smtClean="0"/>
+              <a:rPr lang="fr-FR" dirty="0"/>
               <a:t> = nombre de ligne</a:t>
             </a:r>
           </a:p>
@@ -5982,14 +5718,10 @@
             <a:pPr lvl="1"/>
             <a:r>
               <a:rPr lang="fr-FR" dirty="0" err="1"/>
-              <a:t>n</a:t>
-            </a:r>
-            <a:r>
-              <a:rPr lang="fr-FR" dirty="0" err="1" smtClean="0"/>
-              <a:t>cols</a:t>
-            </a:r>
-            <a:r>
-              <a:rPr lang="fr-FR" dirty="0" smtClean="0"/>
+              <a:t>ncols</a:t>
+            </a:r>
+            <a:r>
+              <a:rPr lang="fr-FR" dirty="0"/>
               <a:t> = nombre de colonne</a:t>
             </a:r>
           </a:p>
@@ -5997,40 +5729,35 @@
             <a:pPr lvl="1"/>
             <a:r>
               <a:rPr lang="fr-FR" dirty="0"/>
-              <a:t>i</a:t>
-            </a:r>
-            <a:r>
-              <a:rPr lang="fr-FR" dirty="0" smtClean="0"/>
-              <a:t>ndex = position</a:t>
-            </a:r>
-          </a:p>
-          <a:p>
-            <a:r>
-              <a:rPr lang="fr-FR" dirty="0" err="1" smtClean="0"/>
+              <a:t>index = position</a:t>
+            </a:r>
+          </a:p>
+          <a:p>
+            <a:r>
+              <a:rPr lang="fr-FR" dirty="0" err="1"/>
               <a:t>Scatter</a:t>
             </a:r>
-            <a:endParaRPr lang="fr-FR" dirty="0" smtClean="0"/>
+            <a:endParaRPr lang="fr-FR" dirty="0"/>
           </a:p>
           <a:p>
             <a:pPr lvl="1"/>
             <a:r>
-              <a:rPr lang="fr-FR" dirty="0" smtClean="0"/>
+              <a:rPr lang="fr-FR" dirty="0"/>
               <a:t>Idem à plot sans relier les points entre eux</a:t>
             </a:r>
           </a:p>
           <a:p>
             <a:r>
-              <a:rPr lang="fr-FR" dirty="0" smtClean="0"/>
+              <a:rPr lang="fr-FR" dirty="0"/>
               <a:t>Bar</a:t>
             </a:r>
           </a:p>
           <a:p>
             <a:pPr lvl="1"/>
             <a:r>
-              <a:rPr lang="fr-FR" dirty="0" smtClean="0"/>
+              <a:rPr lang="fr-FR" dirty="0"/>
               <a:t>Afficher des barres</a:t>
             </a:r>
-            <a:endParaRPr lang="fr-FR" dirty="0"/>
           </a:p>
         </p:txBody>
       </p:sp>
@@ -6085,13 +5812,6 @@
   <p:clrMapOvr>
     <a:masterClrMapping/>
   </p:clrMapOvr>
-  <p:timing>
-    <p:tnLst>
-      <p:par>
-        <p:cTn id="1" dur="indefinite" restart="never" nodeType="tmRoot"/>
-      </p:par>
-    </p:tnLst>
-  </p:timing>
 </p:sld>
 </file>
 

--- a/ppt/PythonMath05-MatPlotLib.pptx
+++ b/ppt/PythonMath05-MatPlotLib.pptx
@@ -4218,7 +4218,15 @@
           <a:p>
             <a:r>
               <a:rPr lang="fr-FR" dirty="0"/>
-              <a:t>Il peut y avoir plusieurs commande par </a:t>
+              <a:t>Il peut y avoir </a:t>
+            </a:r>
+            <a:r>
+              <a:rPr lang="fr-FR"/>
+              <a:t>plusieurs commandes </a:t>
+            </a:r>
+            <a:r>
+              <a:rPr lang="fr-FR" dirty="0"/>
+              <a:t>par </a:t>
             </a:r>
             <a:r>
               <a:rPr lang="fr-FR" dirty="0" err="1"/>

--- a/ppt/PythonMath05-MatPlotLib.pptx
+++ b/ppt/PythonMath05-MatPlotLib.pptx
@@ -4361,35 +4361,6 @@
             <a:r>
               <a:rPr lang="fr-FR" dirty="0"/>
               <a:t>Python en ligne</a:t>
-            </a:r>
-          </a:p>
-          <a:p>
-            <a:r>
-              <a:rPr lang="fr-FR" dirty="0"/>
-              <a:t>Pour afficher un diagramme </a:t>
-            </a:r>
-            <a:r>
-              <a:rPr lang="fr-FR" dirty="0" err="1"/>
-              <a:t>Matplotlib</a:t>
-            </a:r>
-            <a:r>
-              <a:rPr lang="fr-FR" dirty="0"/>
-              <a:t> utiliser</a:t>
-            </a:r>
-          </a:p>
-          <a:p>
-            <a:pPr lvl="1"/>
-            <a:r>
-              <a:rPr lang="fr-FR" dirty="0"/>
-              <a:t>%</a:t>
-            </a:r>
-            <a:r>
-              <a:rPr lang="fr-FR" dirty="0" err="1"/>
-              <a:t>matplotlib</a:t>
-            </a:r>
-            <a:r>
-              <a:rPr lang="fr-FR" dirty="0"/>
-              <a:t> notebook</a:t>
             </a:r>
           </a:p>
         </p:txBody>
